--- a/docs/part1ca/16_TPU/CA_Lecture_16.pptx
+++ b/docs/part1ca/16_TPU/CA_Lecture_16.pptx
@@ -5,24 +5,28 @@
     <p:sldMasterId id="2147483648" r:id="rId1"/>
   </p:sldMasterIdLst>
   <p:notesMasterIdLst>
-    <p:notesMasterId r:id="rId14"/>
+    <p:notesMasterId r:id="rId18"/>
   </p:notesMasterIdLst>
   <p:handoutMasterIdLst>
-    <p:handoutMasterId r:id="rId15"/>
+    <p:handoutMasterId r:id="rId19"/>
   </p:handoutMasterIdLst>
   <p:sldIdLst>
     <p:sldId id="256" r:id="rId2"/>
     <p:sldId id="273" r:id="rId3"/>
     <p:sldId id="274" r:id="rId4"/>
     <p:sldId id="282" r:id="rId5"/>
-    <p:sldId id="281" r:id="rId6"/>
-    <p:sldId id="275" r:id="rId7"/>
-    <p:sldId id="276" r:id="rId8"/>
-    <p:sldId id="278" r:id="rId9"/>
-    <p:sldId id="277" r:id="rId10"/>
-    <p:sldId id="280" r:id="rId11"/>
-    <p:sldId id="279" r:id="rId12"/>
-    <p:sldId id="272" r:id="rId13"/>
+    <p:sldId id="283" r:id="rId6"/>
+    <p:sldId id="284" r:id="rId7"/>
+    <p:sldId id="286" r:id="rId8"/>
+    <p:sldId id="285" r:id="rId9"/>
+    <p:sldId id="281" r:id="rId10"/>
+    <p:sldId id="275" r:id="rId11"/>
+    <p:sldId id="276" r:id="rId12"/>
+    <p:sldId id="278" r:id="rId13"/>
+    <p:sldId id="277" r:id="rId14"/>
+    <p:sldId id="280" r:id="rId15"/>
+    <p:sldId id="279" r:id="rId16"/>
+    <p:sldId id="272" r:id="rId17"/>
   </p:sldIdLst>
   <p:sldSz cx="12192000" cy="6858000"/>
   <p:notesSz cx="6858000" cy="9144000"/>
@@ -910,7 +914,7 @@
             <a:fld id="{5583B3A5-99BF-45D9-956B-DC57CC23AD97}" type="slidenum">
               <a:rPr lang="ru-RU" smtClean="0"/>
               <a:pPr/>
-              <a:t>12</a:t>
+              <a:t>16</a:t>
             </a:fld>
             <a:endParaRPr lang="ru-RU"/>
           </a:p>
@@ -4260,6 +4264,52 @@
       </p:grpSpPr>
       <p:sp>
         <p:nvSpPr>
+          <p:cNvPr id="2" name="Content Placeholder 1"/>
+          <p:cNvSpPr>
+            <a:spLocks noGrp="1"/>
+          </p:cNvSpPr>
+          <p:nvPr>
+            <p:ph idx="1"/>
+          </p:nvPr>
+        </p:nvSpPr>
+        <p:spPr/>
+        <p:txBody>
+          <a:bodyPr/>
+          <a:lstStyle/>
+          <a:p>
+            <a:r>
+              <a:rPr lang="en-US"/>
+              <a:t>Google’s DNN ASIC</a:t>
+            </a:r>
+          </a:p>
+          <a:p>
+            <a:r>
+              <a:rPr lang="en-US"/>
+              <a:t>256 x 256 8-bit matrix multiply unit</a:t>
+            </a:r>
+          </a:p>
+          <a:p>
+            <a:r>
+              <a:rPr lang="en-US"/>
+              <a:t>Large software-managed scratchpad</a:t>
+            </a:r>
+          </a:p>
+          <a:p>
+            <a:r>
+              <a:rPr lang="en-US"/>
+              <a:t>Coprocessor on the PCIe bus</a:t>
+            </a:r>
+          </a:p>
+          <a:p>
+            <a:pPr marL="0" indent="0">
+              <a:buNone/>
+            </a:pPr>
+            <a:endParaRPr lang="en-US"/>
+          </a:p>
+        </p:txBody>
+      </p:sp>
+      <p:sp>
+        <p:nvSpPr>
           <p:cNvPr id="3" name="Slide Number Placeholder 2"/>
           <p:cNvSpPr>
             <a:spLocks noGrp="1"/>
@@ -4278,6 +4328,556 @@
               <a:rPr lang="ru-RU" smtClean="0"/>
               <a:pPr algn="ctr"/>
               <a:t>10</a:t>
+            </a:fld>
+            <a:endParaRPr lang="ru-RU" dirty="0"/>
+          </a:p>
+        </p:txBody>
+      </p:sp>
+      <p:sp>
+        <p:nvSpPr>
+          <p:cNvPr id="4" name="Title 3"/>
+          <p:cNvSpPr>
+            <a:spLocks noGrp="1"/>
+          </p:cNvSpPr>
+          <p:nvPr>
+            <p:ph type="title"/>
+          </p:nvPr>
+        </p:nvSpPr>
+        <p:spPr/>
+        <p:txBody>
+          <a:bodyPr/>
+          <a:lstStyle/>
+          <a:p>
+            <a:r>
+              <a:rPr lang="en-US"/>
+              <a:t>Tensor Processing Unit</a:t>
+            </a:r>
+          </a:p>
+        </p:txBody>
+      </p:sp>
+    </p:spTree>
+    <p:extLst>
+      <p:ext uri="{BB962C8B-B14F-4D97-AF65-F5344CB8AC3E}">
+        <p14:creationId xmlns:p14="http://schemas.microsoft.com/office/powerpoint/2010/main" val="2910757431"/>
+      </p:ext>
+    </p:extLst>
+  </p:cSld>
+  <p:clrMapOvr>
+    <a:masterClrMapping/>
+  </p:clrMapOvr>
+  <p:timing>
+    <p:tnLst>
+      <p:par>
+        <p:cTn id="1" dur="indefinite" restart="never" nodeType="tmRoot"/>
+      </p:par>
+    </p:tnLst>
+  </p:timing>
+</p:sld>
+</file>
+
+<file path=ppt/slides/slide11.xml><?xml version="1.0" encoding="utf-8"?>
+<p:sld xmlns:a="http://schemas.openxmlformats.org/drawingml/2006/main" xmlns:r="http://schemas.openxmlformats.org/officeDocument/2006/relationships" xmlns:p="http://schemas.openxmlformats.org/presentationml/2006/main">
+  <p:cSld>
+    <p:spTree>
+      <p:nvGrpSpPr>
+        <p:cNvPr id="1" name=""/>
+        <p:cNvGrpSpPr/>
+        <p:nvPr/>
+      </p:nvGrpSpPr>
+      <p:grpSpPr>
+        <a:xfrm>
+          <a:off x="0" y="0"/>
+          <a:ext cx="0" cy="0"/>
+          <a:chOff x="0" y="0"/>
+          <a:chExt cx="0" cy="0"/>
+        </a:xfrm>
+      </p:grpSpPr>
+      <p:sp>
+        <p:nvSpPr>
+          <p:cNvPr id="3" name="Slide Number Placeholder 2"/>
+          <p:cNvSpPr>
+            <a:spLocks noGrp="1"/>
+          </p:cNvSpPr>
+          <p:nvPr>
+            <p:ph type="sldNum" sz="quarter" idx="12"/>
+          </p:nvPr>
+        </p:nvSpPr>
+        <p:spPr/>
+        <p:txBody>
+          <a:bodyPr/>
+          <a:lstStyle/>
+          <a:p>
+            <a:pPr algn="ctr"/>
+            <a:fld id="{1397BFD8-F312-4EF2-A268-44FB4BDDBBB0}" type="slidenum">
+              <a:rPr lang="ru-RU" smtClean="0"/>
+              <a:pPr algn="ctr"/>
+              <a:t>11</a:t>
+            </a:fld>
+            <a:endParaRPr lang="ru-RU" dirty="0"/>
+          </a:p>
+        </p:txBody>
+      </p:sp>
+      <p:sp>
+        <p:nvSpPr>
+          <p:cNvPr id="4" name="Title 3"/>
+          <p:cNvSpPr>
+            <a:spLocks noGrp="1"/>
+          </p:cNvSpPr>
+          <p:nvPr>
+            <p:ph type="title"/>
+          </p:nvPr>
+        </p:nvSpPr>
+        <p:spPr/>
+        <p:txBody>
+          <a:bodyPr/>
+          <a:lstStyle/>
+          <a:p>
+            <a:r>
+              <a:rPr lang="en-US" dirty="0"/>
+              <a:t>Tensor Processing Unit</a:t>
+            </a:r>
+          </a:p>
+        </p:txBody>
+      </p:sp>
+      <p:pic>
+        <p:nvPicPr>
+          <p:cNvPr id="5" name="Picture 4"/>
+          <p:cNvPicPr>
+            <a:picLocks noChangeAspect="1"/>
+          </p:cNvPicPr>
+          <p:nvPr/>
+        </p:nvPicPr>
+        <p:blipFill>
+          <a:blip r:embed="rId2"/>
+          <a:stretch>
+            <a:fillRect/>
+          </a:stretch>
+        </p:blipFill>
+        <p:spPr>
+          <a:xfrm>
+            <a:off x="2667816" y="1110171"/>
+            <a:ext cx="7518728" cy="5419749"/>
+          </a:xfrm>
+          <a:prstGeom prst="rect">
+            <a:avLst/>
+          </a:prstGeom>
+        </p:spPr>
+      </p:pic>
+    </p:spTree>
+    <p:extLst>
+      <p:ext uri="{BB962C8B-B14F-4D97-AF65-F5344CB8AC3E}">
+        <p14:creationId xmlns:p14="http://schemas.microsoft.com/office/powerpoint/2010/main" val="374046345"/>
+      </p:ext>
+    </p:extLst>
+  </p:cSld>
+  <p:clrMapOvr>
+    <a:masterClrMapping/>
+  </p:clrMapOvr>
+  <p:timing>
+    <p:tnLst>
+      <p:par>
+        <p:cTn id="1" dur="indefinite" restart="never" nodeType="tmRoot"/>
+      </p:par>
+    </p:tnLst>
+  </p:timing>
+</p:sld>
+</file>
+
+<file path=ppt/slides/slide12.xml><?xml version="1.0" encoding="utf-8"?>
+<p:sld xmlns:a="http://schemas.openxmlformats.org/drawingml/2006/main" xmlns:r="http://schemas.openxmlformats.org/officeDocument/2006/relationships" xmlns:p="http://schemas.openxmlformats.org/presentationml/2006/main">
+  <p:cSld>
+    <p:spTree>
+      <p:nvGrpSpPr>
+        <p:cNvPr id="1" name=""/>
+        <p:cNvGrpSpPr/>
+        <p:nvPr/>
+      </p:nvGrpSpPr>
+      <p:grpSpPr>
+        <a:xfrm>
+          <a:off x="0" y="0"/>
+          <a:ext cx="0" cy="0"/>
+          <a:chOff x="0" y="0"/>
+          <a:chExt cx="0" cy="0"/>
+        </a:xfrm>
+      </p:grpSpPr>
+      <p:sp>
+        <p:nvSpPr>
+          <p:cNvPr id="2" name="Content Placeholder 1"/>
+          <p:cNvSpPr>
+            <a:spLocks noGrp="1"/>
+          </p:cNvSpPr>
+          <p:nvPr>
+            <p:ph idx="1"/>
+          </p:nvPr>
+        </p:nvSpPr>
+        <p:spPr>
+          <a:xfrm>
+            <a:off x="838199" y="1048846"/>
+            <a:ext cx="10760765" cy="5699824"/>
+          </a:xfrm>
+        </p:spPr>
+        <p:txBody>
+          <a:bodyPr>
+            <a:noAutofit/>
+          </a:bodyPr>
+          <a:lstStyle/>
+          <a:p>
+            <a:pPr>
+              <a:spcBef>
+                <a:spcPts val="600"/>
+              </a:spcBef>
+            </a:pPr>
+            <a:r>
+              <a:rPr lang="en-US" sz="2800" b="1" dirty="0"/>
+              <a:t>Read_Host_Memory</a:t>
+            </a:r>
+          </a:p>
+          <a:p>
+            <a:pPr lvl="1">
+              <a:spcBef>
+                <a:spcPts val="0"/>
+              </a:spcBef>
+            </a:pPr>
+            <a:r>
+              <a:rPr lang="en-US" sz="2400" dirty="0"/>
+              <a:t>Reads memory from the CPU memory into the unified buffer</a:t>
+            </a:r>
+          </a:p>
+          <a:p>
+            <a:pPr>
+              <a:spcBef>
+                <a:spcPts val="600"/>
+              </a:spcBef>
+            </a:pPr>
+            <a:r>
+              <a:rPr lang="en-US" sz="2800" b="1" dirty="0" err="1"/>
+              <a:t>Read_Weights</a:t>
+            </a:r>
+            <a:endParaRPr lang="en-US" sz="2800" b="1" dirty="0"/>
+          </a:p>
+          <a:p>
+            <a:pPr lvl="1">
+              <a:spcBef>
+                <a:spcPts val="0"/>
+              </a:spcBef>
+            </a:pPr>
+            <a:r>
+              <a:rPr lang="en-US" sz="2400" dirty="0"/>
+              <a:t>Reads weights from the Weight Memory into the Weight FIFO as input to the Matrix Unit</a:t>
+            </a:r>
+          </a:p>
+          <a:p>
+            <a:pPr>
+              <a:spcBef>
+                <a:spcPts val="600"/>
+              </a:spcBef>
+            </a:pPr>
+            <a:r>
+              <a:rPr lang="en-US" sz="2800" b="1" dirty="0" err="1"/>
+              <a:t>MatrixMatrixMultiply</a:t>
+            </a:r>
+            <a:r>
+              <a:rPr lang="en-US" sz="2800" b="1" dirty="0"/>
+              <a:t>/Convolve</a:t>
+            </a:r>
+          </a:p>
+          <a:p>
+            <a:pPr lvl="1">
+              <a:spcBef>
+                <a:spcPts val="0"/>
+              </a:spcBef>
+            </a:pPr>
+            <a:r>
+              <a:rPr lang="en-US" sz="2400" dirty="0"/>
+              <a:t>Perform a matrix-matrix multiply, a vector-matrix multiply, an element-wise matrix multiply, an element-wise vector multiply, or a convolution from the Unified Buffer into the accumulators</a:t>
+            </a:r>
+          </a:p>
+          <a:p>
+            <a:pPr lvl="1">
+              <a:spcBef>
+                <a:spcPts val="600"/>
+              </a:spcBef>
+            </a:pPr>
+            <a:r>
+              <a:rPr lang="en-US" sz="2400" dirty="0"/>
+              <a:t>takes a variable-sized B*256 input, multiplies it by a 256x256 constant input, and produces a B*256 output, taking B pipelined cycles to complete</a:t>
+            </a:r>
+          </a:p>
+          <a:p>
+            <a:pPr>
+              <a:spcBef>
+                <a:spcPts val="600"/>
+              </a:spcBef>
+            </a:pPr>
+            <a:r>
+              <a:rPr lang="en-US" sz="2800" b="1" dirty="0"/>
+              <a:t>Activate</a:t>
+            </a:r>
+          </a:p>
+          <a:p>
+            <a:pPr lvl="1">
+              <a:spcBef>
+                <a:spcPts val="0"/>
+              </a:spcBef>
+            </a:pPr>
+            <a:r>
+              <a:rPr lang="en-US" sz="2400" dirty="0"/>
+              <a:t>Computes activation function</a:t>
+            </a:r>
+          </a:p>
+          <a:p>
+            <a:pPr>
+              <a:spcBef>
+                <a:spcPts val="600"/>
+              </a:spcBef>
+            </a:pPr>
+            <a:r>
+              <a:rPr lang="en-US" sz="2800" b="1" dirty="0" err="1"/>
+              <a:t>Write_Host_Memory</a:t>
+            </a:r>
+            <a:endParaRPr lang="en-US" sz="2800" b="1" dirty="0"/>
+          </a:p>
+          <a:p>
+            <a:pPr lvl="1">
+              <a:spcBef>
+                <a:spcPts val="0"/>
+              </a:spcBef>
+            </a:pPr>
+            <a:r>
+              <a:rPr lang="en-US" sz="2400" dirty="0"/>
+              <a:t>Writes data from unified buffer into host </a:t>
+            </a:r>
+            <a:r>
+              <a:rPr lang="en-US" sz="2400" dirty="0" smtClean="0"/>
+              <a:t>memory</a:t>
+            </a:r>
+            <a:endParaRPr lang="en-US" sz="2800" dirty="0"/>
+          </a:p>
+        </p:txBody>
+      </p:sp>
+      <p:sp>
+        <p:nvSpPr>
+          <p:cNvPr id="3" name="Slide Number Placeholder 2"/>
+          <p:cNvSpPr>
+            <a:spLocks noGrp="1"/>
+          </p:cNvSpPr>
+          <p:nvPr>
+            <p:ph type="sldNum" sz="quarter" idx="12"/>
+          </p:nvPr>
+        </p:nvSpPr>
+        <p:spPr/>
+        <p:txBody>
+          <a:bodyPr/>
+          <a:lstStyle/>
+          <a:p>
+            <a:pPr algn="ctr"/>
+            <a:fld id="{1397BFD8-F312-4EF2-A268-44FB4BDDBBB0}" type="slidenum">
+              <a:rPr lang="ru-RU" smtClean="0"/>
+              <a:pPr algn="ctr"/>
+              <a:t>12</a:t>
+            </a:fld>
+            <a:endParaRPr lang="ru-RU" dirty="0"/>
+          </a:p>
+        </p:txBody>
+      </p:sp>
+      <p:sp>
+        <p:nvSpPr>
+          <p:cNvPr id="4" name="Title 3"/>
+          <p:cNvSpPr>
+            <a:spLocks noGrp="1"/>
+          </p:cNvSpPr>
+          <p:nvPr>
+            <p:ph type="title"/>
+          </p:nvPr>
+        </p:nvSpPr>
+        <p:spPr/>
+        <p:txBody>
+          <a:bodyPr/>
+          <a:lstStyle/>
+          <a:p>
+            <a:r>
+              <a:rPr lang="en-US" dirty="0" smtClean="0"/>
+              <a:t>TPU ISA</a:t>
+            </a:r>
+            <a:endParaRPr lang="en-US" dirty="0"/>
+          </a:p>
+        </p:txBody>
+      </p:sp>
+    </p:spTree>
+    <p:extLst>
+      <p:ext uri="{BB962C8B-B14F-4D97-AF65-F5344CB8AC3E}">
+        <p14:creationId xmlns:p14="http://schemas.microsoft.com/office/powerpoint/2010/main" val="2552770265"/>
+      </p:ext>
+    </p:extLst>
+  </p:cSld>
+  <p:clrMapOvr>
+    <a:masterClrMapping/>
+  </p:clrMapOvr>
+</p:sld>
+</file>
+
+<file path=ppt/slides/slide13.xml><?xml version="1.0" encoding="utf-8"?>
+<p:sld xmlns:a="http://schemas.openxmlformats.org/drawingml/2006/main" xmlns:r="http://schemas.openxmlformats.org/officeDocument/2006/relationships" xmlns:p="http://schemas.openxmlformats.org/presentationml/2006/main">
+  <p:cSld>
+    <p:spTree>
+      <p:nvGrpSpPr>
+        <p:cNvPr id="1" name=""/>
+        <p:cNvGrpSpPr/>
+        <p:nvPr/>
+      </p:nvGrpSpPr>
+      <p:grpSpPr>
+        <a:xfrm>
+          <a:off x="0" y="0"/>
+          <a:ext cx="0" cy="0"/>
+          <a:chOff x="0" y="0"/>
+          <a:chExt cx="0" cy="0"/>
+        </a:xfrm>
+      </p:grpSpPr>
+      <p:sp>
+        <p:nvSpPr>
+          <p:cNvPr id="3" name="Slide Number Placeholder 2"/>
+          <p:cNvSpPr>
+            <a:spLocks noGrp="1"/>
+          </p:cNvSpPr>
+          <p:nvPr>
+            <p:ph type="sldNum" sz="quarter" idx="12"/>
+          </p:nvPr>
+        </p:nvSpPr>
+        <p:spPr/>
+        <p:txBody>
+          <a:bodyPr/>
+          <a:lstStyle/>
+          <a:p>
+            <a:pPr algn="ctr"/>
+            <a:fld id="{1397BFD8-F312-4EF2-A268-44FB4BDDBBB0}" type="slidenum">
+              <a:rPr lang="ru-RU" smtClean="0"/>
+              <a:pPr algn="ctr"/>
+              <a:t>13</a:t>
+            </a:fld>
+            <a:endParaRPr lang="ru-RU" dirty="0"/>
+          </a:p>
+        </p:txBody>
+      </p:sp>
+      <p:sp>
+        <p:nvSpPr>
+          <p:cNvPr id="4" name="Title 3"/>
+          <p:cNvSpPr>
+            <a:spLocks noGrp="1"/>
+          </p:cNvSpPr>
+          <p:nvPr>
+            <p:ph type="title"/>
+          </p:nvPr>
+        </p:nvSpPr>
+        <p:spPr/>
+        <p:txBody>
+          <a:bodyPr/>
+          <a:lstStyle/>
+          <a:p>
+            <a:r>
+              <a:rPr lang="en-US" dirty="0"/>
+              <a:t>Tensor Processing Unit</a:t>
+            </a:r>
+          </a:p>
+        </p:txBody>
+      </p:sp>
+      <p:pic>
+        <p:nvPicPr>
+          <p:cNvPr id="5" name="Picture 4"/>
+          <p:cNvPicPr>
+            <a:picLocks noChangeAspect="1"/>
+          </p:cNvPicPr>
+          <p:nvPr/>
+        </p:nvPicPr>
+        <p:blipFill>
+          <a:blip r:embed="rId2"/>
+          <a:stretch>
+            <a:fillRect/>
+          </a:stretch>
+        </p:blipFill>
+        <p:spPr>
+          <a:xfrm>
+            <a:off x="925809" y="1301758"/>
+            <a:ext cx="6023610" cy="4732020"/>
+          </a:xfrm>
+          <a:prstGeom prst="rect">
+            <a:avLst/>
+          </a:prstGeom>
+        </p:spPr>
+      </p:pic>
+      <p:pic>
+        <p:nvPicPr>
+          <p:cNvPr id="6" name="Picture 5"/>
+          <p:cNvPicPr>
+            <a:picLocks noChangeAspect="1"/>
+          </p:cNvPicPr>
+          <p:nvPr/>
+        </p:nvPicPr>
+        <p:blipFill>
+          <a:blip r:embed="rId3"/>
+          <a:stretch>
+            <a:fillRect/>
+          </a:stretch>
+        </p:blipFill>
+        <p:spPr>
+          <a:xfrm>
+            <a:off x="7106809" y="2404753"/>
+            <a:ext cx="4137660" cy="2526030"/>
+          </a:xfrm>
+          <a:prstGeom prst="rect">
+            <a:avLst/>
+          </a:prstGeom>
+        </p:spPr>
+      </p:pic>
+    </p:spTree>
+    <p:extLst>
+      <p:ext uri="{BB962C8B-B14F-4D97-AF65-F5344CB8AC3E}">
+        <p14:creationId xmlns:p14="http://schemas.microsoft.com/office/powerpoint/2010/main" val="1929653911"/>
+      </p:ext>
+    </p:extLst>
+  </p:cSld>
+  <p:clrMapOvr>
+    <a:masterClrMapping/>
+  </p:clrMapOvr>
+</p:sld>
+</file>
+
+<file path=ppt/slides/slide14.xml><?xml version="1.0" encoding="utf-8"?>
+<p:sld xmlns:a="http://schemas.openxmlformats.org/drawingml/2006/main" xmlns:r="http://schemas.openxmlformats.org/officeDocument/2006/relationships" xmlns:p="http://schemas.openxmlformats.org/presentationml/2006/main">
+  <p:cSld>
+    <p:spTree>
+      <p:nvGrpSpPr>
+        <p:cNvPr id="1" name=""/>
+        <p:cNvGrpSpPr/>
+        <p:nvPr/>
+      </p:nvGrpSpPr>
+      <p:grpSpPr>
+        <a:xfrm>
+          <a:off x="0" y="0"/>
+          <a:ext cx="0" cy="0"/>
+          <a:chOff x="0" y="0"/>
+          <a:chExt cx="0" cy="0"/>
+        </a:xfrm>
+      </p:grpSpPr>
+      <p:sp>
+        <p:nvSpPr>
+          <p:cNvPr id="3" name="Slide Number Placeholder 2"/>
+          <p:cNvSpPr>
+            <a:spLocks noGrp="1"/>
+          </p:cNvSpPr>
+          <p:nvPr>
+            <p:ph type="sldNum" sz="quarter" idx="12"/>
+          </p:nvPr>
+        </p:nvSpPr>
+        <p:spPr/>
+        <p:txBody>
+          <a:bodyPr/>
+          <a:lstStyle/>
+          <a:p>
+            <a:pPr algn="ctr"/>
+            <a:fld id="{1397BFD8-F312-4EF2-A268-44FB4BDDBBB0}" type="slidenum">
+              <a:rPr lang="ru-RU" smtClean="0"/>
+              <a:pPr algn="ctr"/>
+              <a:t>14</a:t>
             </a:fld>
             <a:endParaRPr lang="ru-RU" dirty="0"/>
           </a:p>
@@ -4366,7 +4966,7 @@
 </p:sld>
 </file>
 
-<file path=ppt/slides/slide11.xml><?xml version="1.0" encoding="utf-8"?>
+<file path=ppt/slides/slide15.xml><?xml version="1.0" encoding="utf-8"?>
 <p:sld xmlns:a="http://schemas.openxmlformats.org/drawingml/2006/main" xmlns:r="http://schemas.openxmlformats.org/officeDocument/2006/relationships" xmlns:p="http://schemas.openxmlformats.org/presentationml/2006/main">
   <p:cSld>
     <p:spTree>
@@ -4511,7 +5111,7 @@
             <a:fld id="{1397BFD8-F312-4EF2-A268-44FB4BDDBBB0}" type="slidenum">
               <a:rPr lang="ru-RU" smtClean="0"/>
               <a:pPr algn="ctr"/>
-              <a:t>11</a:t>
+              <a:t>15</a:t>
             </a:fld>
             <a:endParaRPr lang="ru-RU" dirty="0"/>
           </a:p>
@@ -4552,7 +5152,7 @@
 </p:sld>
 </file>
 
-<file path=ppt/slides/slide12.xml><?xml version="1.0" encoding="utf-8"?>
+<file path=ppt/slides/slide16.xml><?xml version="1.0" encoding="utf-8"?>
 <p:sld xmlns:a="http://schemas.openxmlformats.org/drawingml/2006/main" xmlns:r="http://schemas.openxmlformats.org/officeDocument/2006/relationships" xmlns:p="http://schemas.openxmlformats.org/presentationml/2006/main">
   <p:cSld>
     <p:spTree>
@@ -5051,7 +5651,7 @@
             <a:fld id="{1397BFD8-F312-4EF2-A268-44FB4BDDBBB0}" type="slidenum">
               <a:rPr lang="ru-RU" smtClean="0"/>
               <a:pPr algn="ctr"/>
-              <a:t>12</a:t>
+              <a:t>16</a:t>
             </a:fld>
             <a:endParaRPr lang="ru-RU" dirty="0"/>
           </a:p>
@@ -5543,14 +6143,10 @@
           <a:p>
             <a:r>
               <a:rPr lang="en-US" dirty="0"/>
-              <a:t>Computes </a:t>
-            </a:r>
-            <a:r>
-              <a:rPr lang="en-US"/>
-              <a:t>non-linear </a:t>
-            </a:r>
-            <a:r>
-              <a:rPr lang="en-US" smtClean="0"/>
+              <a:t>Computes non-linear </a:t>
+            </a:r>
+            <a:r>
+              <a:rPr lang="en-US" dirty="0" smtClean="0"/>
               <a:t>“activation” </a:t>
             </a:r>
             <a:r>
@@ -5714,127 +6310,6 @@
       </p:grpSpPr>
       <p:sp>
         <p:nvSpPr>
-          <p:cNvPr id="2" name="Content Placeholder 1"/>
-          <p:cNvSpPr>
-            <a:spLocks noGrp="1"/>
-          </p:cNvSpPr>
-          <p:nvPr>
-            <p:ph idx="1"/>
-          </p:nvPr>
-        </p:nvSpPr>
-        <p:spPr>
-          <a:xfrm>
-            <a:off x="855104" y="1193041"/>
-            <a:ext cx="10515600" cy="5477316"/>
-          </a:xfrm>
-        </p:spPr>
-        <p:txBody>
-          <a:bodyPr/>
-          <a:lstStyle/>
-          <a:p>
-            <a:r>
-              <a:rPr lang="en-US" dirty="0"/>
-              <a:t>Batches:</a:t>
-            </a:r>
-          </a:p>
-          <a:p>
-            <a:pPr lvl="1"/>
-            <a:r>
-              <a:rPr lang="en-US" sz="2400" dirty="0"/>
-              <a:t>Reuse weights once fetched from memory across multiple inputs</a:t>
-            </a:r>
-          </a:p>
-          <a:p>
-            <a:pPr lvl="1"/>
-            <a:r>
-              <a:rPr lang="en-US" sz="2400" dirty="0"/>
-              <a:t>Increases operational intensity</a:t>
-            </a:r>
-          </a:p>
-          <a:p>
-            <a:r>
-              <a:rPr lang="en-US" dirty="0"/>
-              <a:t>Quantization</a:t>
-            </a:r>
-          </a:p>
-          <a:p>
-            <a:pPr lvl="1"/>
-            <a:r>
-              <a:rPr lang="en-US" sz="2400" dirty="0"/>
-              <a:t>Use 8- or 16-bit fixed point</a:t>
-            </a:r>
-          </a:p>
-          <a:p>
-            <a:r>
-              <a:rPr lang="en-US" dirty="0"/>
-              <a:t>Summary:</a:t>
-            </a:r>
-          </a:p>
-          <a:p>
-            <a:pPr lvl="1"/>
-            <a:r>
-              <a:rPr lang="en-US" sz="2400" dirty="0"/>
-              <a:t>Need the following kernels:</a:t>
-            </a:r>
-          </a:p>
-          <a:p>
-            <a:pPr lvl="2"/>
-            <a:r>
-              <a:rPr lang="en-US" sz="2000" dirty="0"/>
-              <a:t>Matrix-vector multiply</a:t>
-            </a:r>
-          </a:p>
-          <a:p>
-            <a:pPr lvl="2"/>
-            <a:r>
-              <a:rPr lang="en-US" sz="2000" dirty="0"/>
-              <a:t>Matrix-matrix multiply</a:t>
-            </a:r>
-          </a:p>
-          <a:p>
-            <a:pPr lvl="2"/>
-            <a:r>
-              <a:rPr lang="en-US" sz="2000" dirty="0"/>
-              <a:t>Stencil</a:t>
-            </a:r>
-          </a:p>
-          <a:p>
-            <a:pPr lvl="2"/>
-            <a:r>
-              <a:rPr lang="en-US" sz="2000" dirty="0" err="1"/>
-              <a:t>ReLU</a:t>
-            </a:r>
-            <a:endParaRPr lang="en-US" sz="2000" dirty="0"/>
-          </a:p>
-          <a:p>
-            <a:pPr lvl="2"/>
-            <a:r>
-              <a:rPr lang="en-US" sz="2000" dirty="0"/>
-              <a:t>Sigmoid</a:t>
-            </a:r>
-          </a:p>
-          <a:p>
-            <a:pPr lvl="2"/>
-            <a:r>
-              <a:rPr lang="en-US" sz="2000" dirty="0"/>
-              <a:t>Hyperbolic </a:t>
-            </a:r>
-            <a:r>
-              <a:rPr lang="en-US" sz="2000" dirty="0" err="1"/>
-              <a:t>tangeant</a:t>
-            </a:r>
-            <a:endParaRPr lang="en-US" sz="2000" dirty="0"/>
-          </a:p>
-          <a:p>
-            <a:pPr marL="0" indent="0">
-              <a:buNone/>
-            </a:pPr>
-            <a:endParaRPr lang="en-US" dirty="0"/>
-          </a:p>
-        </p:txBody>
-      </p:sp>
-      <p:sp>
-        <p:nvSpPr>
           <p:cNvPr id="3" name="Slide Number Placeholder 2"/>
           <p:cNvSpPr>
             <a:spLocks noGrp="1"/>
@@ -5874,16 +6349,65 @@
           <a:lstStyle/>
           <a:p>
             <a:r>
-              <a:rPr lang="en-US" dirty="0"/>
-              <a:t>Convolutional Neural Network</a:t>
-            </a:r>
-          </a:p>
-        </p:txBody>
-      </p:sp>
+              <a:rPr lang="en-US" dirty="0" smtClean="0"/>
+              <a:t>DNN Statistics</a:t>
+            </a:r>
+            <a:endParaRPr lang="en-US" dirty="0"/>
+          </a:p>
+        </p:txBody>
+      </p:sp>
+      <p:pic>
+        <p:nvPicPr>
+          <p:cNvPr id="5" name="Picture 4"/>
+          <p:cNvPicPr>
+            <a:picLocks noChangeAspect="1"/>
+          </p:cNvPicPr>
+          <p:nvPr/>
+        </p:nvPicPr>
+        <p:blipFill>
+          <a:blip r:embed="rId2"/>
+          <a:stretch>
+            <a:fillRect/>
+          </a:stretch>
+        </p:blipFill>
+        <p:spPr>
+          <a:xfrm>
+            <a:off x="2310292" y="1123933"/>
+            <a:ext cx="7838599" cy="2346389"/>
+          </a:xfrm>
+          <a:prstGeom prst="rect">
+            <a:avLst/>
+          </a:prstGeom>
+        </p:spPr>
+      </p:pic>
+      <p:pic>
+        <p:nvPicPr>
+          <p:cNvPr id="6" name="Picture 5"/>
+          <p:cNvPicPr>
+            <a:picLocks noChangeAspect="1"/>
+          </p:cNvPicPr>
+          <p:nvPr/>
+        </p:nvPicPr>
+        <p:blipFill>
+          <a:blip r:embed="rId3"/>
+          <a:stretch>
+            <a:fillRect/>
+          </a:stretch>
+        </p:blipFill>
+        <p:spPr>
+          <a:xfrm>
+            <a:off x="1960487" y="3850004"/>
+            <a:ext cx="8538210" cy="2820353"/>
+          </a:xfrm>
+          <a:prstGeom prst="rect">
+            <a:avLst/>
+          </a:prstGeom>
+        </p:spPr>
+      </p:pic>
     </p:spTree>
     <p:extLst>
       <p:ext uri="{BB962C8B-B14F-4D97-AF65-F5344CB8AC3E}">
-        <p14:creationId xmlns:p14="http://schemas.microsoft.com/office/powerpoint/2010/main" val="3265237214"/>
+        <p14:creationId xmlns:p14="http://schemas.microsoft.com/office/powerpoint/2010/main" val="820777743"/>
       </p:ext>
     </p:extLst>
   </p:cSld>
@@ -5922,37 +6446,103 @@
         </p:nvSpPr>
         <p:spPr/>
         <p:txBody>
-          <a:bodyPr/>
-          <a:lstStyle/>
-          <a:p>
-            <a:r>
-              <a:rPr lang="en-US"/>
-              <a:t>Google’s DNN ASIC</a:t>
-            </a:r>
-          </a:p>
-          <a:p>
-            <a:r>
-              <a:rPr lang="en-US"/>
-              <a:t>256 x 256 8-bit matrix multiply unit</a:t>
-            </a:r>
-          </a:p>
-          <a:p>
-            <a:r>
-              <a:rPr lang="en-US"/>
-              <a:t>Large software-managed scratchpad</a:t>
-            </a:r>
-          </a:p>
-          <a:p>
-            <a:r>
-              <a:rPr lang="en-US"/>
-              <a:t>Coprocessor on the PCIe bus</a:t>
-            </a:r>
-          </a:p>
-          <a:p>
-            <a:pPr marL="0" indent="0">
-              <a:buNone/>
+          <a:bodyPr>
+            <a:normAutofit lnSpcReduction="10000"/>
+          </a:bodyPr>
+          <a:lstStyle/>
+          <a:p>
+            <a:pPr>
+              <a:lnSpc>
+                <a:spcPct val="150000"/>
+              </a:lnSpc>
+              <a:spcBef>
+                <a:spcPts val="600"/>
+              </a:spcBef>
             </a:pPr>
-            <a:endParaRPr lang="en-US"/>
+            <a:r>
+              <a:rPr lang="en-US" dirty="0"/>
+              <a:t>Multilayer perceptron (MLP)</a:t>
+            </a:r>
+          </a:p>
+          <a:p>
+            <a:pPr>
+              <a:lnSpc>
+                <a:spcPct val="150000"/>
+              </a:lnSpc>
+              <a:spcBef>
+                <a:spcPts val="600"/>
+              </a:spcBef>
+            </a:pPr>
+            <a:r>
+              <a:rPr lang="en-US" dirty="0"/>
+              <a:t>Recurrent neural network (RNN</a:t>
+            </a:r>
+            <a:r>
+              <a:rPr lang="en-US" dirty="0" smtClean="0"/>
+              <a:t>)</a:t>
+            </a:r>
+          </a:p>
+          <a:p>
+            <a:pPr lvl="1">
+              <a:lnSpc>
+                <a:spcPct val="150000"/>
+              </a:lnSpc>
+              <a:spcBef>
+                <a:spcPts val="600"/>
+              </a:spcBef>
+            </a:pPr>
+            <a:r>
+              <a:rPr lang="en-US" dirty="0" smtClean="0"/>
+              <a:t>Speech recognition</a:t>
+            </a:r>
+          </a:p>
+          <a:p>
+            <a:pPr lvl="1">
+              <a:lnSpc>
+                <a:spcPct val="150000"/>
+              </a:lnSpc>
+              <a:spcBef>
+                <a:spcPts val="600"/>
+              </a:spcBef>
+            </a:pPr>
+            <a:r>
+              <a:rPr lang="en-US" dirty="0" smtClean="0"/>
+              <a:t>Computer translation</a:t>
+            </a:r>
+            <a:endParaRPr lang="en-US" dirty="0"/>
+          </a:p>
+          <a:p>
+            <a:pPr>
+              <a:lnSpc>
+                <a:spcPct val="150000"/>
+              </a:lnSpc>
+              <a:spcBef>
+                <a:spcPts val="600"/>
+              </a:spcBef>
+            </a:pPr>
+            <a:r>
+              <a:rPr lang="en-US" dirty="0"/>
+              <a:t>Convolutional neural network (CNN</a:t>
+            </a:r>
+            <a:r>
+              <a:rPr lang="en-US" dirty="0" smtClean="0"/>
+              <a:t>)</a:t>
+            </a:r>
+          </a:p>
+          <a:p>
+            <a:pPr lvl="1">
+              <a:lnSpc>
+                <a:spcPct val="150000"/>
+              </a:lnSpc>
+              <a:spcBef>
+                <a:spcPts val="600"/>
+              </a:spcBef>
+            </a:pPr>
+            <a:r>
+              <a:rPr lang="en-US" dirty="0" smtClean="0"/>
+              <a:t>Computer vision</a:t>
+            </a:r>
+            <a:endParaRPr lang="en-US" dirty="0"/>
           </a:p>
         </p:txBody>
       </p:sp>
@@ -5997,29 +6587,23 @@
           <a:lstStyle/>
           <a:p>
             <a:r>
-              <a:rPr lang="en-US"/>
-              <a:t>Tensor Processing Unit</a:t>
-            </a:r>
+              <a:rPr lang="en-US" dirty="0" smtClean="0"/>
+              <a:t>Most popular DNNs</a:t>
+            </a:r>
+            <a:endParaRPr lang="en-US" dirty="0"/>
           </a:p>
         </p:txBody>
       </p:sp>
     </p:spTree>
     <p:extLst>
       <p:ext uri="{BB962C8B-B14F-4D97-AF65-F5344CB8AC3E}">
-        <p14:creationId xmlns:p14="http://schemas.microsoft.com/office/powerpoint/2010/main" val="2910757431"/>
+        <p14:creationId xmlns:p14="http://schemas.microsoft.com/office/powerpoint/2010/main" val="2652089175"/>
       </p:ext>
     </p:extLst>
   </p:cSld>
   <p:clrMapOvr>
     <a:masterClrMapping/>
   </p:clrMapOvr>
-  <p:timing>
-    <p:tnLst>
-      <p:par>
-        <p:cTn id="1" dur="indefinite" restart="never" nodeType="tmRoot"/>
-      </p:par>
-    </p:tnLst>
-  </p:timing>
 </p:sld>
 </file>
 
@@ -6042,6 +6626,110 @@
       </p:grpSpPr>
       <p:sp>
         <p:nvSpPr>
+          <p:cNvPr id="2" name="Content Placeholder 1"/>
+          <p:cNvSpPr>
+            <a:spLocks noGrp="1"/>
+          </p:cNvSpPr>
+          <p:nvPr>
+            <p:ph idx="1"/>
+          </p:nvPr>
+        </p:nvSpPr>
+        <p:spPr>
+          <a:xfrm>
+            <a:off x="838200" y="1178052"/>
+            <a:ext cx="5135217" cy="5242625"/>
+          </a:xfrm>
+        </p:spPr>
+        <p:txBody>
+          <a:bodyPr/>
+          <a:lstStyle/>
+          <a:p>
+            <a:r>
+              <a:rPr lang="en-US" dirty="0"/>
+              <a:t>Parameters:</a:t>
+            </a:r>
+          </a:p>
+          <a:p>
+            <a:pPr lvl="1"/>
+            <a:r>
+              <a:rPr lang="en-US" dirty="0"/>
+              <a:t>Dim[</a:t>
+            </a:r>
+            <a:r>
+              <a:rPr lang="en-US" dirty="0" err="1"/>
+              <a:t>i</a:t>
+            </a:r>
+            <a:r>
+              <a:rPr lang="en-US" dirty="0"/>
+              <a:t>]:  number of neurons</a:t>
+            </a:r>
+          </a:p>
+          <a:p>
+            <a:pPr lvl="1"/>
+            <a:r>
+              <a:rPr lang="en-US" dirty="0"/>
+              <a:t>Dim[i-1]:  dimension of input vector</a:t>
+            </a:r>
+          </a:p>
+          <a:p>
+            <a:pPr lvl="1"/>
+            <a:r>
+              <a:rPr lang="en-US" dirty="0"/>
+              <a:t>Number of weights:  Dim[i-1] x Dim[</a:t>
+            </a:r>
+            <a:r>
+              <a:rPr lang="en-US" dirty="0" err="1"/>
+              <a:t>i</a:t>
+            </a:r>
+            <a:r>
+              <a:rPr lang="en-US" dirty="0"/>
+              <a:t>]</a:t>
+            </a:r>
+          </a:p>
+          <a:p>
+            <a:pPr lvl="1"/>
+            <a:r>
+              <a:rPr lang="en-US" dirty="0"/>
+              <a:t>Operations</a:t>
+            </a:r>
+            <a:r>
+              <a:rPr lang="en-US" dirty="0" smtClean="0"/>
+              <a:t>:</a:t>
+            </a:r>
+            <a:br>
+              <a:rPr lang="en-US" dirty="0" smtClean="0"/>
+            </a:br>
+            <a:r>
+              <a:rPr lang="en-US" dirty="0" smtClean="0"/>
+              <a:t>2 </a:t>
+            </a:r>
+            <a:r>
+              <a:rPr lang="en-US" dirty="0"/>
+              <a:t>x Dim[i-1] x Dim[</a:t>
+            </a:r>
+            <a:r>
+              <a:rPr lang="en-US" dirty="0" err="1"/>
+              <a:t>i</a:t>
+            </a:r>
+            <a:r>
+              <a:rPr lang="en-US" dirty="0"/>
+              <a:t>]</a:t>
+            </a:r>
+          </a:p>
+          <a:p>
+            <a:pPr lvl="1"/>
+            <a:r>
+              <a:rPr lang="en-US" dirty="0"/>
+              <a:t>Operations/weight:  2</a:t>
+            </a:r>
+          </a:p>
+          <a:p>
+            <a:endParaRPr lang="en-US" dirty="0"/>
+          </a:p>
+        </p:txBody>
+      </p:sp>
+      <p:sp>
+        <p:nvSpPr>
           <p:cNvPr id="3" name="Slide Number Placeholder 2"/>
           <p:cNvSpPr>
             <a:spLocks noGrp="1"/>
@@ -6082,8 +6770,13 @@
           <a:p>
             <a:r>
               <a:rPr lang="en-US" dirty="0"/>
-              <a:t>Tensor Processing Unit</a:t>
-            </a:r>
+              <a:t>Multi-Layer </a:t>
+            </a:r>
+            <a:r>
+              <a:rPr lang="en-US" dirty="0" smtClean="0"/>
+              <a:t>Perceptron</a:t>
+            </a:r>
+            <a:endParaRPr lang="en-US" dirty="0"/>
           </a:p>
         </p:txBody>
       </p:sp>
@@ -6103,8 +6796,8 @@
         </p:blipFill>
         <p:spPr>
           <a:xfrm>
-            <a:off x="2667816" y="1110171"/>
-            <a:ext cx="7518728" cy="5419749"/>
+            <a:off x="5743575" y="1926519"/>
+            <a:ext cx="5610225" cy="3543300"/>
           </a:xfrm>
           <a:prstGeom prst="rect">
             <a:avLst/>
@@ -6114,20 +6807,13 @@
     </p:spTree>
     <p:extLst>
       <p:ext uri="{BB962C8B-B14F-4D97-AF65-F5344CB8AC3E}">
-        <p14:creationId xmlns:p14="http://schemas.microsoft.com/office/powerpoint/2010/main" val="374046345"/>
+        <p14:creationId xmlns:p14="http://schemas.microsoft.com/office/powerpoint/2010/main" val="646811120"/>
       </p:ext>
     </p:extLst>
   </p:cSld>
   <p:clrMapOvr>
     <a:masterClrMapping/>
   </p:clrMapOvr>
-  <p:timing>
-    <p:tnLst>
-      <p:par>
-        <p:cTn id="1" dur="indefinite" restart="never" nodeType="tmRoot"/>
-      </p:par>
-    </p:tnLst>
-  </p:timing>
 </p:sld>
 </file>
 
@@ -6160,144 +6846,64 @@
         </p:nvSpPr>
         <p:spPr>
           <a:xfrm>
-            <a:off x="838199" y="1048846"/>
-            <a:ext cx="10760765" cy="5699824"/>
+            <a:off x="838200" y="1178053"/>
+            <a:ext cx="5244548" cy="5021496"/>
           </a:xfrm>
         </p:spPr>
         <p:txBody>
           <a:bodyPr>
-            <a:noAutofit/>
+            <a:normAutofit lnSpcReduction="10000"/>
           </a:bodyPr>
           <a:lstStyle/>
           <a:p>
-            <a:pPr>
-              <a:spcBef>
-                <a:spcPts val="600"/>
-              </a:spcBef>
-            </a:pPr>
-            <a:r>
-              <a:rPr lang="en-US" sz="2800" b="1" dirty="0"/>
-              <a:t>Read_Host_Memory</a:t>
-            </a:r>
-          </a:p>
-          <a:p>
-            <a:pPr lvl="1">
-              <a:spcBef>
-                <a:spcPts val="0"/>
-              </a:spcBef>
-            </a:pPr>
-            <a:r>
-              <a:rPr lang="en-US" sz="2400" dirty="0"/>
-              <a:t>Reads memory from the CPU memory into the unified buffer</a:t>
-            </a:r>
-          </a:p>
-          <a:p>
-            <a:pPr>
-              <a:spcBef>
-                <a:spcPts val="600"/>
-              </a:spcBef>
-            </a:pPr>
-            <a:r>
-              <a:rPr lang="en-US" sz="2800" b="1" dirty="0" err="1"/>
-              <a:t>Read_Weights</a:t>
-            </a:r>
-            <a:endParaRPr lang="en-US" sz="2800" b="1" dirty="0"/>
-          </a:p>
-          <a:p>
-            <a:pPr lvl="1">
-              <a:spcBef>
-                <a:spcPts val="0"/>
-              </a:spcBef>
-            </a:pPr>
-            <a:r>
-              <a:rPr lang="en-US" sz="2400" dirty="0"/>
-              <a:t>Reads weights from the Weight Memory into the Weight FIFO as input to the Matrix Unit</a:t>
-            </a:r>
-          </a:p>
-          <a:p>
-            <a:pPr>
-              <a:spcBef>
-                <a:spcPts val="600"/>
-              </a:spcBef>
-            </a:pPr>
-            <a:r>
-              <a:rPr lang="en-US" sz="2800" b="1" dirty="0" err="1"/>
-              <a:t>MatrixMatrixMultiply</a:t>
-            </a:r>
-            <a:r>
-              <a:rPr lang="en-US" sz="2800" b="1" dirty="0"/>
-              <a:t>/Convolve</a:t>
-            </a:r>
-          </a:p>
-          <a:p>
-            <a:pPr lvl="1">
-              <a:spcBef>
-                <a:spcPts val="0"/>
-              </a:spcBef>
-            </a:pPr>
-            <a:r>
-              <a:rPr lang="en-US" sz="2400" dirty="0"/>
-              <a:t>Perform a matrix-matrix multiply, a vector-matrix multiply, an element-wise matrix multiply, an element-wise vector multiply, or a convolution from the Unified Buffer into the accumulators</a:t>
-            </a:r>
-          </a:p>
-          <a:p>
-            <a:pPr lvl="1">
-              <a:spcBef>
-                <a:spcPts val="600"/>
-              </a:spcBef>
-            </a:pPr>
-            <a:r>
-              <a:rPr lang="en-US" sz="2400" dirty="0"/>
-              <a:t>takes a variable-sized B*256 input, multiplies it by a 256x256 constant input, and produces a B*256 output, taking B pipelined cycles to complete</a:t>
-            </a:r>
-          </a:p>
-          <a:p>
-            <a:pPr>
-              <a:spcBef>
-                <a:spcPts val="600"/>
-              </a:spcBef>
-            </a:pPr>
-            <a:r>
-              <a:rPr lang="en-US" sz="2800" b="1" dirty="0"/>
-              <a:t>Activate</a:t>
-            </a:r>
-          </a:p>
-          <a:p>
-            <a:pPr lvl="1">
-              <a:spcBef>
-                <a:spcPts val="0"/>
-              </a:spcBef>
-            </a:pPr>
-            <a:r>
-              <a:rPr lang="en-US" sz="2400" dirty="0"/>
-              <a:t>Computes activation function</a:t>
-            </a:r>
-          </a:p>
-          <a:p>
-            <a:pPr>
-              <a:spcBef>
-                <a:spcPts val="600"/>
-              </a:spcBef>
-            </a:pPr>
-            <a:r>
-              <a:rPr lang="en-US" sz="2800" b="1" dirty="0" err="1"/>
-              <a:t>Write_Host_Memory</a:t>
-            </a:r>
-            <a:endParaRPr lang="en-US" sz="2800" b="1" dirty="0"/>
-          </a:p>
-          <a:p>
-            <a:pPr lvl="1">
-              <a:spcBef>
-                <a:spcPts val="0"/>
-              </a:spcBef>
-            </a:pPr>
-            <a:r>
-              <a:rPr lang="en-US" sz="2400" dirty="0"/>
-              <a:t>Writes data from unified buffer into host </a:t>
-            </a:r>
-            <a:r>
-              <a:rPr lang="en-US" sz="2400" dirty="0" smtClean="0"/>
-              <a:t>memory</a:t>
+            <a:r>
+              <a:rPr lang="en-US" sz="3200" dirty="0"/>
+              <a:t>Computer vision</a:t>
+            </a:r>
+          </a:p>
+          <a:p>
+            <a:r>
+              <a:rPr lang="en-US" sz="3200" dirty="0"/>
+              <a:t>Each layer raises the level of abstraction</a:t>
+            </a:r>
+          </a:p>
+          <a:p>
+            <a:pPr lvl="1"/>
+            <a:r>
+              <a:rPr lang="en-US" sz="2800" dirty="0"/>
+              <a:t>First layer recognizes horizontal and vertical lines</a:t>
+            </a:r>
+          </a:p>
+          <a:p>
+            <a:pPr lvl="1"/>
+            <a:r>
+              <a:rPr lang="en-US" sz="2800" dirty="0"/>
+              <a:t>Second layer recognizes corners</a:t>
+            </a:r>
+          </a:p>
+          <a:p>
+            <a:pPr lvl="1"/>
+            <a:r>
+              <a:rPr lang="en-US" sz="2800" dirty="0"/>
+              <a:t>Third layer recognizes shapes</a:t>
+            </a:r>
+          </a:p>
+          <a:p>
+            <a:pPr lvl="1"/>
+            <a:r>
+              <a:rPr lang="en-US" sz="2800" dirty="0"/>
+              <a:t>Fourth layer recognizes features, such as ears of a dog</a:t>
+            </a:r>
+          </a:p>
+          <a:p>
+            <a:pPr lvl="1"/>
+            <a:r>
+              <a:rPr lang="en-US" sz="2800" dirty="0"/>
+              <a:t>Higher layers recognizes different breeds of </a:t>
+            </a:r>
+            <a:r>
+              <a:rPr lang="en-US" sz="2800" dirty="0" smtClean="0"/>
+              <a:t>dogs</a:t>
             </a:r>
             <a:endParaRPr lang="en-US" sz="2800" dirty="0"/>
           </a:p>
@@ -6344,17 +6950,40 @@
           <a:lstStyle/>
           <a:p>
             <a:r>
-              <a:rPr lang="en-US" dirty="0" smtClean="0"/>
-              <a:t>TPU ISA</a:t>
-            </a:r>
-            <a:endParaRPr lang="en-US" dirty="0"/>
-          </a:p>
-        </p:txBody>
-      </p:sp>
+              <a:rPr lang="en-US" dirty="0"/>
+              <a:t>Convolutional Neural Network</a:t>
+            </a:r>
+          </a:p>
+        </p:txBody>
+      </p:sp>
+      <p:pic>
+        <p:nvPicPr>
+          <p:cNvPr id="5" name="Picture 4"/>
+          <p:cNvPicPr>
+            <a:picLocks noChangeAspect="1"/>
+          </p:cNvPicPr>
+          <p:nvPr/>
+        </p:nvPicPr>
+        <p:blipFill>
+          <a:blip r:embed="rId2"/>
+          <a:stretch>
+            <a:fillRect/>
+          </a:stretch>
+        </p:blipFill>
+        <p:spPr>
+          <a:xfrm>
+            <a:off x="6082748" y="1833578"/>
+            <a:ext cx="5400675" cy="3471863"/>
+          </a:xfrm>
+          <a:prstGeom prst="rect">
+            <a:avLst/>
+          </a:prstGeom>
+        </p:spPr>
+      </p:pic>
     </p:spTree>
     <p:extLst>
       <p:ext uri="{BB962C8B-B14F-4D97-AF65-F5344CB8AC3E}">
-        <p14:creationId xmlns:p14="http://schemas.microsoft.com/office/powerpoint/2010/main" val="2552770265"/>
+        <p14:creationId xmlns:p14="http://schemas.microsoft.com/office/powerpoint/2010/main" val="2590444576"/>
       </p:ext>
     </p:extLst>
   </p:cSld>
@@ -6383,6 +7012,121 @@
       </p:grpSpPr>
       <p:sp>
         <p:nvSpPr>
+          <p:cNvPr id="2" name="Content Placeholder 1"/>
+          <p:cNvSpPr>
+            <a:spLocks noGrp="1"/>
+          </p:cNvSpPr>
+          <p:nvPr>
+            <p:ph idx="1"/>
+          </p:nvPr>
+        </p:nvSpPr>
+        <p:spPr>
+          <a:xfrm>
+            <a:off x="855104" y="1193040"/>
+            <a:ext cx="10515600" cy="5575507"/>
+          </a:xfrm>
+        </p:spPr>
+        <p:txBody>
+          <a:bodyPr>
+            <a:normAutofit lnSpcReduction="10000"/>
+          </a:bodyPr>
+          <a:lstStyle/>
+          <a:p>
+            <a:r>
+              <a:rPr lang="en-US" dirty="0" smtClean="0"/>
+              <a:t>Batches</a:t>
+            </a:r>
+            <a:endParaRPr lang="en-US" dirty="0"/>
+          </a:p>
+          <a:p>
+            <a:pPr lvl="1"/>
+            <a:r>
+              <a:rPr lang="en-US" sz="2800" dirty="0"/>
+              <a:t>Reuse weights once fetched from memory across multiple inputs</a:t>
+            </a:r>
+          </a:p>
+          <a:p>
+            <a:pPr lvl="1"/>
+            <a:r>
+              <a:rPr lang="en-US" sz="2800" dirty="0"/>
+              <a:t>Increases operational intensity</a:t>
+            </a:r>
+          </a:p>
+          <a:p>
+            <a:r>
+              <a:rPr lang="en-US" dirty="0"/>
+              <a:t>Quantization</a:t>
+            </a:r>
+          </a:p>
+          <a:p>
+            <a:pPr lvl="1"/>
+            <a:r>
+              <a:rPr lang="en-US" sz="2800" dirty="0"/>
+              <a:t>Use 8- or 16-bit fixed point</a:t>
+            </a:r>
+          </a:p>
+          <a:p>
+            <a:r>
+              <a:rPr lang="en-US" dirty="0" smtClean="0"/>
+              <a:t>Operations</a:t>
+            </a:r>
+          </a:p>
+          <a:p>
+            <a:pPr lvl="1"/>
+            <a:r>
+              <a:rPr lang="en-US" sz="2800" dirty="0" smtClean="0"/>
+              <a:t>Matrix-vector multiply</a:t>
+            </a:r>
+          </a:p>
+          <a:p>
+            <a:pPr lvl="1"/>
+            <a:r>
+              <a:rPr lang="en-US" sz="2800" dirty="0" smtClean="0"/>
+              <a:t>Matrix-matrix </a:t>
+            </a:r>
+            <a:r>
+              <a:rPr lang="en-US" sz="2800" dirty="0"/>
+              <a:t>multiply</a:t>
+            </a:r>
+          </a:p>
+          <a:p>
+            <a:pPr lvl="1"/>
+            <a:r>
+              <a:rPr lang="en-US" sz="2800" dirty="0"/>
+              <a:t>Stencil</a:t>
+            </a:r>
+          </a:p>
+          <a:p>
+            <a:pPr lvl="1"/>
+            <a:r>
+              <a:rPr lang="en-US" sz="2800" dirty="0" err="1"/>
+              <a:t>ReLU</a:t>
+            </a:r>
+            <a:endParaRPr lang="en-US" sz="2800" dirty="0"/>
+          </a:p>
+          <a:p>
+            <a:pPr lvl="1"/>
+            <a:r>
+              <a:rPr lang="en-US" sz="2800" dirty="0"/>
+              <a:t>Sigmoid</a:t>
+            </a:r>
+          </a:p>
+          <a:p>
+            <a:pPr lvl="1"/>
+            <a:r>
+              <a:rPr lang="en-US" sz="2800" dirty="0"/>
+              <a:t>Hyperbolic </a:t>
+            </a:r>
+            <a:r>
+              <a:rPr lang="en-US" sz="2800" dirty="0" err="1" smtClean="0"/>
+              <a:t>tangeant</a:t>
+            </a:r>
+            <a:endParaRPr lang="en-US" sz="2800" dirty="0"/>
+          </a:p>
+        </p:txBody>
+      </p:sp>
+      <p:sp>
+        <p:nvSpPr>
           <p:cNvPr id="3" name="Slide Number Placeholder 2"/>
           <p:cNvSpPr>
             <a:spLocks noGrp="1"/>
@@ -6422,64 +7166,17 @@
           <a:lstStyle/>
           <a:p>
             <a:r>
-              <a:rPr lang="en-US" dirty="0"/>
-              <a:t>Tensor Processing Unit</a:t>
-            </a:r>
-          </a:p>
-        </p:txBody>
-      </p:sp>
-      <p:pic>
-        <p:nvPicPr>
-          <p:cNvPr id="5" name="Picture 4"/>
-          <p:cNvPicPr>
-            <a:picLocks noChangeAspect="1"/>
-          </p:cNvPicPr>
-          <p:nvPr/>
-        </p:nvPicPr>
-        <p:blipFill>
-          <a:blip r:embed="rId2"/>
-          <a:stretch>
-            <a:fillRect/>
-          </a:stretch>
-        </p:blipFill>
-        <p:spPr>
-          <a:xfrm>
-            <a:off x="925809" y="1301758"/>
-            <a:ext cx="6023610" cy="4732020"/>
-          </a:xfrm>
-          <a:prstGeom prst="rect">
-            <a:avLst/>
-          </a:prstGeom>
-        </p:spPr>
-      </p:pic>
-      <p:pic>
-        <p:nvPicPr>
-          <p:cNvPr id="6" name="Picture 5"/>
-          <p:cNvPicPr>
-            <a:picLocks noChangeAspect="1"/>
-          </p:cNvPicPr>
-          <p:nvPr/>
-        </p:nvPicPr>
-        <p:blipFill>
-          <a:blip r:embed="rId3"/>
-          <a:stretch>
-            <a:fillRect/>
-          </a:stretch>
-        </p:blipFill>
-        <p:spPr>
-          <a:xfrm>
-            <a:off x="7106809" y="2404753"/>
-            <a:ext cx="4137660" cy="2526030"/>
-          </a:xfrm>
-          <a:prstGeom prst="rect">
-            <a:avLst/>
-          </a:prstGeom>
-        </p:spPr>
-      </p:pic>
+              <a:rPr lang="en-US" dirty="0" smtClean="0"/>
+              <a:t>DNN Summary</a:t>
+            </a:r>
+            <a:endParaRPr lang="en-US" dirty="0"/>
+          </a:p>
+        </p:txBody>
+      </p:sp>
     </p:spTree>
     <p:extLst>
       <p:ext uri="{BB962C8B-B14F-4D97-AF65-F5344CB8AC3E}">
-        <p14:creationId xmlns:p14="http://schemas.microsoft.com/office/powerpoint/2010/main" val="1929653911"/>
+        <p14:creationId xmlns:p14="http://schemas.microsoft.com/office/powerpoint/2010/main" val="3265237214"/>
       </p:ext>
     </p:extLst>
   </p:cSld>
